--- a/Graficas/graficas.pptx
+++ b/Graficas/graficas.pptx
@@ -11,8 +11,9 @@
     <p:sldId id="259" r:id="rId5"/>
     <p:sldId id="260" r:id="rId6"/>
     <p:sldId id="263" r:id="rId7"/>
-    <p:sldId id="262" r:id="rId8"/>
-    <p:sldId id="261" r:id="rId9"/>
+    <p:sldId id="264" r:id="rId8"/>
+    <p:sldId id="262" r:id="rId9"/>
+    <p:sldId id="261" r:id="rId10"/>
   </p:sldIdLst>
   <p:sldSz cx="12192000" cy="6858000"/>
   <p:notesSz cx="6858000" cy="9144000"/>
@@ -111,7 +112,174 @@
       </a:defRPr>
     </a:lvl9pPr>
   </p:defaultTextStyle>
+  <p:extLst>
+    <p:ext uri="{EFAFB233-063F-42B5-8137-9DF3F51BA10A}">
+      <p15:sldGuideLst xmlns:p15="http://schemas.microsoft.com/office/powerpoint/2012/main"/>
+    </p:ext>
+  </p:extLst>
 </p:presentation>
+</file>
+
+<file path=ppt/revisionInfo.xml><?xml version="1.0" encoding="utf-8"?>
+<p1510:revInfo xmlns:a="http://schemas.openxmlformats.org/drawingml/2006/main" xmlns:r="http://schemas.openxmlformats.org/officeDocument/2006/relationships" xmlns:p1510="http://schemas.microsoft.com/office/powerpoint/2015/10/main">
+  <p1510:revLst>
+    <p1510:client id="{CC41E98D-B34E-400C-A155-20B44C31E6FB}" v="2" dt="2023-12-14T19:21:15.797"/>
+  </p1510:revLst>
+</p1510:revInfo>
+</file>
+
+<file path=ppt/changesInfos/changesInfo1.xml><?xml version="1.0" encoding="utf-8"?>
+<pc:chgInfo xmlns:a="http://schemas.openxmlformats.org/drawingml/2006/main" xmlns:r="http://schemas.openxmlformats.org/officeDocument/2006/relationships" xmlns:ac="http://schemas.microsoft.com/office/drawing/2013/main/command" xmlns:pc="http://schemas.microsoft.com/office/powerpoint/2013/main/command">
+  <pc:docChgLst>
+    <pc:chgData name="JENNY CAROLINA DUSSÁN NIÑO" userId="eaf10c2cd7d88393" providerId="LiveId" clId="{CC41E98D-B34E-400C-A155-20B44C31E6FB}"/>
+    <pc:docChg chg="custSel addSld modSld">
+      <pc:chgData name="JENNY CAROLINA DUSSÁN NIÑO" userId="eaf10c2cd7d88393" providerId="LiveId" clId="{CC41E98D-B34E-400C-A155-20B44C31E6FB}" dt="2023-12-14T19:25:50.181" v="38" actId="22"/>
+      <pc:docMkLst>
+        <pc:docMk/>
+      </pc:docMkLst>
+      <pc:sldChg chg="addSp delSp mod">
+        <pc:chgData name="JENNY CAROLINA DUSSÁN NIÑO" userId="eaf10c2cd7d88393" providerId="LiveId" clId="{CC41E98D-B34E-400C-A155-20B44C31E6FB}" dt="2023-12-14T19:25:50.181" v="38" actId="22"/>
+        <pc:sldMkLst>
+          <pc:docMk/>
+          <pc:sldMk cId="84836790" sldId="261"/>
+        </pc:sldMkLst>
+        <pc:spChg chg="del">
+          <ac:chgData name="JENNY CAROLINA DUSSÁN NIÑO" userId="eaf10c2cd7d88393" providerId="LiveId" clId="{CC41E98D-B34E-400C-A155-20B44C31E6FB}" dt="2023-12-14T19:25:45.561" v="36" actId="478"/>
+          <ac:spMkLst>
+            <pc:docMk/>
+            <pc:sldMk cId="84836790" sldId="261"/>
+            <ac:spMk id="2" creationId="{19853FF8-947A-D6A1-CFCF-0C6C784DD645}"/>
+          </ac:spMkLst>
+        </pc:spChg>
+        <pc:spChg chg="del">
+          <ac:chgData name="JENNY CAROLINA DUSSÁN NIÑO" userId="eaf10c2cd7d88393" providerId="LiveId" clId="{CC41E98D-B34E-400C-A155-20B44C31E6FB}" dt="2023-12-14T19:25:48.146" v="37" actId="478"/>
+          <ac:spMkLst>
+            <pc:docMk/>
+            <pc:sldMk cId="84836790" sldId="261"/>
+            <ac:spMk id="3" creationId="{B3DDEB9D-BFC7-CFFB-0955-D448C74F0480}"/>
+          </ac:spMkLst>
+        </pc:spChg>
+        <pc:picChg chg="add">
+          <ac:chgData name="JENNY CAROLINA DUSSÁN NIÑO" userId="eaf10c2cd7d88393" providerId="LiveId" clId="{CC41E98D-B34E-400C-A155-20B44C31E6FB}" dt="2023-12-14T19:25:50.181" v="38" actId="22"/>
+          <ac:picMkLst>
+            <pc:docMk/>
+            <pc:sldMk cId="84836790" sldId="261"/>
+            <ac:picMk id="5" creationId="{BA492B08-402E-64DD-0582-F57B782C50BF}"/>
+          </ac:picMkLst>
+        </pc:picChg>
+      </pc:sldChg>
+      <pc:sldChg chg="addSp delSp mod">
+        <pc:chgData name="JENNY CAROLINA DUSSÁN NIÑO" userId="eaf10c2cd7d88393" providerId="LiveId" clId="{CC41E98D-B34E-400C-A155-20B44C31E6FB}" dt="2023-12-14T19:23:35.651" v="35" actId="22"/>
+        <pc:sldMkLst>
+          <pc:docMk/>
+          <pc:sldMk cId="2284403295" sldId="262"/>
+        </pc:sldMkLst>
+        <pc:spChg chg="del">
+          <ac:chgData name="JENNY CAROLINA DUSSÁN NIÑO" userId="eaf10c2cd7d88393" providerId="LiveId" clId="{CC41E98D-B34E-400C-A155-20B44C31E6FB}" dt="2023-12-14T19:23:32.154" v="33" actId="478"/>
+          <ac:spMkLst>
+            <pc:docMk/>
+            <pc:sldMk cId="2284403295" sldId="262"/>
+            <ac:spMk id="2" creationId="{301D82A9-5655-3D3B-81F9-BDEF0D0AF4B9}"/>
+          </ac:spMkLst>
+        </pc:spChg>
+        <pc:spChg chg="del">
+          <ac:chgData name="JENNY CAROLINA DUSSÁN NIÑO" userId="eaf10c2cd7d88393" providerId="LiveId" clId="{CC41E98D-B34E-400C-A155-20B44C31E6FB}" dt="2023-12-14T19:23:34.480" v="34" actId="478"/>
+          <ac:spMkLst>
+            <pc:docMk/>
+            <pc:sldMk cId="2284403295" sldId="262"/>
+            <ac:spMk id="3" creationId="{CEF04DAD-3CCD-B350-EF18-CF08A2286C48}"/>
+          </ac:spMkLst>
+        </pc:spChg>
+        <pc:picChg chg="add">
+          <ac:chgData name="JENNY CAROLINA DUSSÁN NIÑO" userId="eaf10c2cd7d88393" providerId="LiveId" clId="{CC41E98D-B34E-400C-A155-20B44C31E6FB}" dt="2023-12-14T19:23:35.651" v="35" actId="22"/>
+          <ac:picMkLst>
+            <pc:docMk/>
+            <pc:sldMk cId="2284403295" sldId="262"/>
+            <ac:picMk id="5" creationId="{D5F270CF-1DB9-7C1E-0224-BB5065EE2ACC}"/>
+          </ac:picMkLst>
+        </pc:picChg>
+      </pc:sldChg>
+      <pc:sldChg chg="addSp delSp modSp mod">
+        <pc:chgData name="JENNY CAROLINA DUSSÁN NIÑO" userId="eaf10c2cd7d88393" providerId="LiveId" clId="{CC41E98D-B34E-400C-A155-20B44C31E6FB}" dt="2023-12-14T19:18:30.642" v="14" actId="20577"/>
+        <pc:sldMkLst>
+          <pc:docMk/>
+          <pc:sldMk cId="2880558597" sldId="263"/>
+        </pc:sldMkLst>
+        <pc:spChg chg="del">
+          <ac:chgData name="JENNY CAROLINA DUSSÁN NIÑO" userId="eaf10c2cd7d88393" providerId="LiveId" clId="{CC41E98D-B34E-400C-A155-20B44C31E6FB}" dt="2023-12-14T19:17:36.154" v="0" actId="478"/>
+          <ac:spMkLst>
+            <pc:docMk/>
+            <pc:sldMk cId="2880558597" sldId="263"/>
+            <ac:spMk id="2" creationId="{7AF98BC8-A660-D867-421F-BAE4A09A87AA}"/>
+          </ac:spMkLst>
+        </pc:spChg>
+        <pc:spChg chg="del">
+          <ac:chgData name="JENNY CAROLINA DUSSÁN NIÑO" userId="eaf10c2cd7d88393" providerId="LiveId" clId="{CC41E98D-B34E-400C-A155-20B44C31E6FB}" dt="2023-12-14T19:17:38.814" v="1" actId="478"/>
+          <ac:spMkLst>
+            <pc:docMk/>
+            <pc:sldMk cId="2880558597" sldId="263"/>
+            <ac:spMk id="3" creationId="{AF06FDB7-FBC1-E6CC-064C-E6F18D3DE32A}"/>
+          </ac:spMkLst>
+        </pc:spChg>
+        <pc:spChg chg="add mod">
+          <ac:chgData name="JENNY CAROLINA DUSSÁN NIÑO" userId="eaf10c2cd7d88393" providerId="LiveId" clId="{CC41E98D-B34E-400C-A155-20B44C31E6FB}" dt="2023-12-14T19:18:30.642" v="14" actId="20577"/>
+          <ac:spMkLst>
+            <pc:docMk/>
+            <pc:sldMk cId="2880558597" sldId="263"/>
+            <ac:spMk id="6" creationId="{CEF34D11-ADD9-8C6D-BCFD-E2AB5A2D8F19}"/>
+          </ac:spMkLst>
+        </pc:spChg>
+        <pc:picChg chg="add">
+          <ac:chgData name="JENNY CAROLINA DUSSÁN NIÑO" userId="eaf10c2cd7d88393" providerId="LiveId" clId="{CC41E98D-B34E-400C-A155-20B44C31E6FB}" dt="2023-12-14T19:17:41.681" v="2" actId="22"/>
+          <ac:picMkLst>
+            <pc:docMk/>
+            <pc:sldMk cId="2880558597" sldId="263"/>
+            <ac:picMk id="5" creationId="{7C73AE20-DF8B-1677-911B-B6338299C2F9}"/>
+          </ac:picMkLst>
+        </pc:picChg>
+      </pc:sldChg>
+      <pc:sldChg chg="addSp delSp modSp new mod">
+        <pc:chgData name="JENNY CAROLINA DUSSÁN NIÑO" userId="eaf10c2cd7d88393" providerId="LiveId" clId="{CC41E98D-B34E-400C-A155-20B44C31E6FB}" dt="2023-12-14T19:21:30.080" v="32" actId="20577"/>
+        <pc:sldMkLst>
+          <pc:docMk/>
+          <pc:sldMk cId="2516408334" sldId="264"/>
+        </pc:sldMkLst>
+        <pc:spChg chg="del">
+          <ac:chgData name="JENNY CAROLINA DUSSÁN NIÑO" userId="eaf10c2cd7d88393" providerId="LiveId" clId="{CC41E98D-B34E-400C-A155-20B44C31E6FB}" dt="2023-12-14T19:20:47.352" v="15" actId="478"/>
+          <ac:spMkLst>
+            <pc:docMk/>
+            <pc:sldMk cId="2516408334" sldId="264"/>
+            <ac:spMk id="2" creationId="{03079B34-6D6E-B2B1-C1DC-EBFA6A87E72B}"/>
+          </ac:spMkLst>
+        </pc:spChg>
+        <pc:spChg chg="del">
+          <ac:chgData name="JENNY CAROLINA DUSSÁN NIÑO" userId="eaf10c2cd7d88393" providerId="LiveId" clId="{CC41E98D-B34E-400C-A155-20B44C31E6FB}" dt="2023-12-14T19:20:48.919" v="16" actId="478"/>
+          <ac:spMkLst>
+            <pc:docMk/>
+            <pc:sldMk cId="2516408334" sldId="264"/>
+            <ac:spMk id="3" creationId="{4ABDFD95-8091-AF9D-C97E-FC5570626B47}"/>
+          </ac:spMkLst>
+        </pc:spChg>
+        <pc:spChg chg="add mod">
+          <ac:chgData name="JENNY CAROLINA DUSSÁN NIÑO" userId="eaf10c2cd7d88393" providerId="LiveId" clId="{CC41E98D-B34E-400C-A155-20B44C31E6FB}" dt="2023-12-14T19:21:30.080" v="32" actId="20577"/>
+          <ac:spMkLst>
+            <pc:docMk/>
+            <pc:sldMk cId="2516408334" sldId="264"/>
+            <ac:spMk id="6" creationId="{2D6F4A39-F2E4-9279-2413-AE57DF376433}"/>
+          </ac:spMkLst>
+        </pc:spChg>
+        <pc:picChg chg="add">
+          <ac:chgData name="JENNY CAROLINA DUSSÁN NIÑO" userId="eaf10c2cd7d88393" providerId="LiveId" clId="{CC41E98D-B34E-400C-A155-20B44C31E6FB}" dt="2023-12-14T19:20:52.823" v="17" actId="22"/>
+          <ac:picMkLst>
+            <pc:docMk/>
+            <pc:sldMk cId="2516408334" sldId="264"/>
+            <ac:picMk id="5" creationId="{7749F090-4176-D32E-D9A6-DF4EBB50BB27}"/>
+          </ac:picMkLst>
+        </pc:picChg>
+      </pc:sldChg>
+    </pc:docChg>
+  </pc:docChgLst>
+</pc:chgInfo>
 </file>
 
 <file path=ppt/slideLayouts/slideLayout1.xml><?xml version="1.0" encoding="utf-8"?>
@@ -3864,53 +4032,68 @@
           <a:chExt cx="0" cy="0"/>
         </a:xfrm>
       </p:grpSpPr>
-      <p:sp>
-        <p:nvSpPr>
-          <p:cNvPr id="2" name="Título 1">
-            <a:extLst>
-              <a:ext uri="{FF2B5EF4-FFF2-40B4-BE49-F238E27FC236}">
-                <a16:creationId xmlns:a16="http://schemas.microsoft.com/office/drawing/2014/main" id="{7AF98BC8-A660-D867-421F-BAE4A09A87AA}"/>
-              </a:ext>
-            </a:extLst>
-          </p:cNvPr>
-          <p:cNvSpPr>
-            <a:spLocks noGrp="1"/>
-          </p:cNvSpPr>
-          <p:nvPr>
-            <p:ph type="title"/>
-          </p:nvPr>
-        </p:nvSpPr>
-        <p:spPr/>
-        <p:txBody>
-          <a:bodyPr/>
-          <a:lstStyle/>
-          <a:p>
-            <a:endParaRPr lang="es-CO"/>
-          </a:p>
-        </p:txBody>
-      </p:sp>
-      <p:sp>
-        <p:nvSpPr>
-          <p:cNvPr id="3" name="Marcador de contenido 2">
-            <a:extLst>
-              <a:ext uri="{FF2B5EF4-FFF2-40B4-BE49-F238E27FC236}">
-                <a16:creationId xmlns:a16="http://schemas.microsoft.com/office/drawing/2014/main" id="{AF06FDB7-FBC1-E6CC-064C-E6F18D3DE32A}"/>
-              </a:ext>
-            </a:extLst>
-          </p:cNvPr>
-          <p:cNvSpPr>
-            <a:spLocks noGrp="1"/>
-          </p:cNvSpPr>
-          <p:nvPr>
-            <p:ph idx="1"/>
-          </p:nvPr>
-        </p:nvSpPr>
-        <p:spPr/>
-        <p:txBody>
-          <a:bodyPr/>
-          <a:lstStyle/>
-          <a:p>
-            <a:endParaRPr lang="es-CO"/>
+      <p:pic>
+        <p:nvPicPr>
+          <p:cNvPr id="5" name="Imagen 4">
+            <a:extLst>
+              <a:ext uri="{FF2B5EF4-FFF2-40B4-BE49-F238E27FC236}">
+                <a16:creationId xmlns:a16="http://schemas.microsoft.com/office/drawing/2014/main" id="{7C73AE20-DF8B-1677-911B-B6338299C2F9}"/>
+              </a:ext>
+            </a:extLst>
+          </p:cNvPr>
+          <p:cNvPicPr>
+            <a:picLocks noChangeAspect="1"/>
+          </p:cNvPicPr>
+          <p:nvPr/>
+        </p:nvPicPr>
+        <p:blipFill>
+          <a:blip r:embed="rId2"/>
+          <a:stretch>
+            <a:fillRect/>
+          </a:stretch>
+        </p:blipFill>
+        <p:spPr>
+          <a:xfrm>
+            <a:off x="0" y="262786"/>
+            <a:ext cx="12192000" cy="6332427"/>
+          </a:xfrm>
+          <a:prstGeom prst="rect">
+            <a:avLst/>
+          </a:prstGeom>
+        </p:spPr>
+      </p:pic>
+      <p:sp>
+        <p:nvSpPr>
+          <p:cNvPr id="6" name="CuadroTexto 5">
+            <a:extLst>
+              <a:ext uri="{FF2B5EF4-FFF2-40B4-BE49-F238E27FC236}">
+                <a16:creationId xmlns:a16="http://schemas.microsoft.com/office/drawing/2014/main" id="{CEF34D11-ADD9-8C6D-BCFD-E2AB5A2D8F19}"/>
+              </a:ext>
+            </a:extLst>
+          </p:cNvPr>
+          <p:cNvSpPr txBox="1"/>
+          <p:nvPr/>
+        </p:nvSpPr>
+        <p:spPr>
+          <a:xfrm>
+            <a:off x="8353425" y="5457825"/>
+            <a:ext cx="3190875" cy="369332"/>
+          </a:xfrm>
+          <a:prstGeom prst="rect">
+            <a:avLst/>
+          </a:prstGeom>
+          <a:noFill/>
+        </p:spPr>
+        <p:txBody>
+          <a:bodyPr wrap="square" rtlCol="0">
+            <a:spAutoFit/>
+          </a:bodyPr>
+          <a:lstStyle/>
+          <a:p>
+            <a:r>
+              <a:rPr lang="es-CO" dirty="0"/>
+              <a:t>Por país</a:t>
+            </a:r>
           </a:p>
         </p:txBody>
       </p:sp>
@@ -3944,60 +4127,80 @@
           <a:chExt cx="0" cy="0"/>
         </a:xfrm>
       </p:grpSpPr>
-      <p:sp>
-        <p:nvSpPr>
-          <p:cNvPr id="2" name="Título 1">
-            <a:extLst>
-              <a:ext uri="{FF2B5EF4-FFF2-40B4-BE49-F238E27FC236}">
-                <a16:creationId xmlns:a16="http://schemas.microsoft.com/office/drawing/2014/main" id="{301D82A9-5655-3D3B-81F9-BDEF0D0AF4B9}"/>
-              </a:ext>
-            </a:extLst>
-          </p:cNvPr>
-          <p:cNvSpPr>
-            <a:spLocks noGrp="1"/>
-          </p:cNvSpPr>
-          <p:nvPr>
-            <p:ph type="title"/>
-          </p:nvPr>
-        </p:nvSpPr>
-        <p:spPr/>
-        <p:txBody>
-          <a:bodyPr/>
-          <a:lstStyle/>
-          <a:p>
-            <a:endParaRPr lang="es-CO"/>
-          </a:p>
-        </p:txBody>
-      </p:sp>
-      <p:sp>
-        <p:nvSpPr>
-          <p:cNvPr id="3" name="Marcador de contenido 2">
-            <a:extLst>
-              <a:ext uri="{FF2B5EF4-FFF2-40B4-BE49-F238E27FC236}">
-                <a16:creationId xmlns:a16="http://schemas.microsoft.com/office/drawing/2014/main" id="{CEF04DAD-3CCD-B350-EF18-CF08A2286C48}"/>
-              </a:ext>
-            </a:extLst>
-          </p:cNvPr>
-          <p:cNvSpPr>
-            <a:spLocks noGrp="1"/>
-          </p:cNvSpPr>
-          <p:nvPr>
-            <p:ph idx="1"/>
-          </p:nvPr>
-        </p:nvSpPr>
-        <p:spPr/>
-        <p:txBody>
-          <a:bodyPr/>
-          <a:lstStyle/>
-          <a:p>
-            <a:endParaRPr lang="es-CO"/>
+      <p:pic>
+        <p:nvPicPr>
+          <p:cNvPr id="5" name="Imagen 4">
+            <a:extLst>
+              <a:ext uri="{FF2B5EF4-FFF2-40B4-BE49-F238E27FC236}">
+                <a16:creationId xmlns:a16="http://schemas.microsoft.com/office/drawing/2014/main" id="{7749F090-4176-D32E-D9A6-DF4EBB50BB27}"/>
+              </a:ext>
+            </a:extLst>
+          </p:cNvPr>
+          <p:cNvPicPr>
+            <a:picLocks noChangeAspect="1"/>
+          </p:cNvPicPr>
+          <p:nvPr/>
+        </p:nvPicPr>
+        <p:blipFill>
+          <a:blip r:embed="rId2"/>
+          <a:stretch>
+            <a:fillRect/>
+          </a:stretch>
+        </p:blipFill>
+        <p:spPr>
+          <a:xfrm>
+            <a:off x="0" y="266700"/>
+            <a:ext cx="12192000" cy="6324600"/>
+          </a:xfrm>
+          <a:prstGeom prst="rect">
+            <a:avLst/>
+          </a:prstGeom>
+        </p:spPr>
+      </p:pic>
+      <p:sp>
+        <p:nvSpPr>
+          <p:cNvPr id="6" name="CuadroTexto 5">
+            <a:extLst>
+              <a:ext uri="{FF2B5EF4-FFF2-40B4-BE49-F238E27FC236}">
+                <a16:creationId xmlns:a16="http://schemas.microsoft.com/office/drawing/2014/main" id="{2D6F4A39-F2E4-9279-2413-AE57DF376433}"/>
+              </a:ext>
+            </a:extLst>
+          </p:cNvPr>
+          <p:cNvSpPr txBox="1"/>
+          <p:nvPr/>
+        </p:nvSpPr>
+        <p:spPr>
+          <a:xfrm>
+            <a:off x="10306050" y="6096000"/>
+            <a:ext cx="1790700" cy="369332"/>
+          </a:xfrm>
+          <a:prstGeom prst="rect">
+            <a:avLst/>
+          </a:prstGeom>
+          <a:noFill/>
+        </p:spPr>
+        <p:txBody>
+          <a:bodyPr wrap="square" rtlCol="0">
+            <a:spAutoFit/>
+          </a:bodyPr>
+          <a:lstStyle/>
+          <a:p>
+            <a:r>
+              <a:rPr lang="es-CO" dirty="0"/>
+              <a:t>Por </a:t>
+            </a:r>
+            <a:r>
+              <a:rPr lang="es-CO" dirty="0" err="1"/>
+              <a:t>patagenos</a:t>
+            </a:r>
+            <a:endParaRPr lang="es-CO" dirty="0"/>
           </a:p>
         </p:txBody>
       </p:sp>
     </p:spTree>
     <p:extLst>
       <p:ext uri="{BB962C8B-B14F-4D97-AF65-F5344CB8AC3E}">
-        <p14:creationId xmlns:p14="http://schemas.microsoft.com/office/powerpoint/2010/main" val="2284403295"/>
+        <p14:creationId xmlns:p14="http://schemas.microsoft.com/office/powerpoint/2010/main" val="2516408334"/>
       </p:ext>
     </p:extLst>
   </p:cSld>
@@ -4024,56 +4227,96 @@
           <a:chExt cx="0" cy="0"/>
         </a:xfrm>
       </p:grpSpPr>
-      <p:sp>
-        <p:nvSpPr>
-          <p:cNvPr id="2" name="Título 1">
-            <a:extLst>
-              <a:ext uri="{FF2B5EF4-FFF2-40B4-BE49-F238E27FC236}">
-                <a16:creationId xmlns:a16="http://schemas.microsoft.com/office/drawing/2014/main" id="{19853FF8-947A-D6A1-CFCF-0C6C784DD645}"/>
-              </a:ext>
-            </a:extLst>
-          </p:cNvPr>
-          <p:cNvSpPr>
-            <a:spLocks noGrp="1"/>
-          </p:cNvSpPr>
-          <p:nvPr>
-            <p:ph type="title"/>
-          </p:nvPr>
-        </p:nvSpPr>
-        <p:spPr/>
-        <p:txBody>
-          <a:bodyPr/>
-          <a:lstStyle/>
-          <a:p>
-            <a:endParaRPr lang="es-CO"/>
-          </a:p>
-        </p:txBody>
-      </p:sp>
-      <p:sp>
-        <p:nvSpPr>
-          <p:cNvPr id="3" name="Marcador de contenido 2">
-            <a:extLst>
-              <a:ext uri="{FF2B5EF4-FFF2-40B4-BE49-F238E27FC236}">
-                <a16:creationId xmlns:a16="http://schemas.microsoft.com/office/drawing/2014/main" id="{B3DDEB9D-BFC7-CFFB-0955-D448C74F0480}"/>
-              </a:ext>
-            </a:extLst>
-          </p:cNvPr>
-          <p:cNvSpPr>
-            <a:spLocks noGrp="1"/>
-          </p:cNvSpPr>
-          <p:nvPr>
-            <p:ph idx="1"/>
-          </p:nvPr>
-        </p:nvSpPr>
-        <p:spPr/>
-        <p:txBody>
-          <a:bodyPr/>
-          <a:lstStyle/>
-          <a:p>
-            <a:endParaRPr lang="es-CO"/>
-          </a:p>
-        </p:txBody>
-      </p:sp>
+      <p:pic>
+        <p:nvPicPr>
+          <p:cNvPr id="5" name="Imagen 4">
+            <a:extLst>
+              <a:ext uri="{FF2B5EF4-FFF2-40B4-BE49-F238E27FC236}">
+                <a16:creationId xmlns:a16="http://schemas.microsoft.com/office/drawing/2014/main" id="{D5F270CF-1DB9-7C1E-0224-BB5065EE2ACC}"/>
+              </a:ext>
+            </a:extLst>
+          </p:cNvPr>
+          <p:cNvPicPr>
+            <a:picLocks noChangeAspect="1"/>
+          </p:cNvPicPr>
+          <p:nvPr/>
+        </p:nvPicPr>
+        <p:blipFill>
+          <a:blip r:embed="rId2"/>
+          <a:stretch>
+            <a:fillRect/>
+          </a:stretch>
+        </p:blipFill>
+        <p:spPr>
+          <a:xfrm>
+            <a:off x="0" y="262910"/>
+            <a:ext cx="12192000" cy="6332180"/>
+          </a:xfrm>
+          <a:prstGeom prst="rect">
+            <a:avLst/>
+          </a:prstGeom>
+        </p:spPr>
+      </p:pic>
+    </p:spTree>
+    <p:extLst>
+      <p:ext uri="{BB962C8B-B14F-4D97-AF65-F5344CB8AC3E}">
+        <p14:creationId xmlns:p14="http://schemas.microsoft.com/office/powerpoint/2010/main" val="2284403295"/>
+      </p:ext>
+    </p:extLst>
+  </p:cSld>
+  <p:clrMapOvr>
+    <a:masterClrMapping/>
+  </p:clrMapOvr>
+</p:sld>
+</file>
+
+<file path=ppt/slides/slide9.xml><?xml version="1.0" encoding="utf-8"?>
+<p:sld xmlns:a="http://schemas.openxmlformats.org/drawingml/2006/main" xmlns:r="http://schemas.openxmlformats.org/officeDocument/2006/relationships" xmlns:p="http://schemas.openxmlformats.org/presentationml/2006/main">
+  <p:cSld>
+    <p:spTree>
+      <p:nvGrpSpPr>
+        <p:cNvPr id="1" name=""/>
+        <p:cNvGrpSpPr/>
+        <p:nvPr/>
+      </p:nvGrpSpPr>
+      <p:grpSpPr>
+        <a:xfrm>
+          <a:off x="0" y="0"/>
+          <a:ext cx="0" cy="0"/>
+          <a:chOff x="0" y="0"/>
+          <a:chExt cx="0" cy="0"/>
+        </a:xfrm>
+      </p:grpSpPr>
+      <p:pic>
+        <p:nvPicPr>
+          <p:cNvPr id="5" name="Imagen 4">
+            <a:extLst>
+              <a:ext uri="{FF2B5EF4-FFF2-40B4-BE49-F238E27FC236}">
+                <a16:creationId xmlns:a16="http://schemas.microsoft.com/office/drawing/2014/main" id="{BA492B08-402E-64DD-0582-F57B782C50BF}"/>
+              </a:ext>
+            </a:extLst>
+          </p:cNvPr>
+          <p:cNvPicPr>
+            <a:picLocks noChangeAspect="1"/>
+          </p:cNvPicPr>
+          <p:nvPr/>
+        </p:nvPicPr>
+        <p:blipFill>
+          <a:blip r:embed="rId2"/>
+          <a:stretch>
+            <a:fillRect/>
+          </a:stretch>
+        </p:blipFill>
+        <p:spPr>
+          <a:xfrm>
+            <a:off x="0" y="273050"/>
+            <a:ext cx="12192000" cy="6311900"/>
+          </a:xfrm>
+          <a:prstGeom prst="rect">
+            <a:avLst/>
+          </a:prstGeom>
+        </p:spPr>
+      </p:pic>
     </p:spTree>
     <p:extLst>
       <p:ext uri="{BB962C8B-B14F-4D97-AF65-F5344CB8AC3E}">
